--- a/presentation_template.pptx
+++ b/presentation_template.pptx
@@ -111,6 +111,11 @@
       </a:defRPr>
     </a:lvl9pPr>
   </p:defaultTextStyle>
+  <p:extLst>
+    <p:ext uri="{EFAFB233-063F-42B5-8137-9DF3F51BA10A}">
+      <p15:sldGuideLst xmlns:p15="http://schemas.microsoft.com/office/powerpoint/2012/main"/>
+    </p:ext>
+  </p:extLst>
 </p:presentation>
 </file>
 
@@ -435,7 +440,7 @@
           <a:p>
             <a:fld id="{A9AE9773-D439-439A-8D20-CDDBE702814B}" type="datetimeFigureOut">
               <a:rPr lang="en-AU" smtClean="0"/>
-              <a:t>4/05/2020</a:t>
+              <a:t>1/03/2024</a:t>
             </a:fld>
             <a:endParaRPr lang="en-AU"/>
           </a:p>
@@ -702,7 +707,7 @@
           <a:p>
             <a:fld id="{A9AE9773-D439-439A-8D20-CDDBE702814B}" type="datetimeFigureOut">
               <a:rPr lang="en-AU" smtClean="0"/>
-              <a:t>4/05/2020</a:t>
+              <a:t>1/03/2024</a:t>
             </a:fld>
             <a:endParaRPr lang="en-AU"/>
           </a:p>
@@ -933,7 +938,7 @@
           <a:p>
             <a:fld id="{A9AE9773-D439-439A-8D20-CDDBE702814B}" type="datetimeFigureOut">
               <a:rPr lang="en-AU" smtClean="0"/>
-              <a:t>4/05/2020</a:t>
+              <a:t>1/03/2024</a:t>
             </a:fld>
             <a:endParaRPr lang="en-AU"/>
           </a:p>
@@ -1243,7 +1248,7 @@
           <a:p>
             <a:fld id="{A9AE9773-D439-439A-8D20-CDDBE702814B}" type="datetimeFigureOut">
               <a:rPr lang="en-AU" smtClean="0"/>
-              <a:t>4/05/2020</a:t>
+              <a:t>1/03/2024</a:t>
             </a:fld>
             <a:endParaRPr lang="en-AU"/>
           </a:p>
@@ -1716,7 +1721,7 @@
           <a:p>
             <a:fld id="{A9AE9773-D439-439A-8D20-CDDBE702814B}" type="datetimeFigureOut">
               <a:rPr lang="en-AU" smtClean="0"/>
-              <a:t>4/05/2020</a:t>
+              <a:t>1/03/2024</a:t>
             </a:fld>
             <a:endParaRPr lang="en-AU"/>
           </a:p>
@@ -2263,7 +2268,7 @@
           <a:p>
             <a:fld id="{A9AE9773-D439-439A-8D20-CDDBE702814B}" type="datetimeFigureOut">
               <a:rPr lang="en-AU" smtClean="0"/>
-              <a:t>4/05/2020</a:t>
+              <a:t>1/03/2024</a:t>
             </a:fld>
             <a:endParaRPr lang="en-AU"/>
           </a:p>
@@ -3037,7 +3042,7 @@
           <a:p>
             <a:fld id="{A9AE9773-D439-439A-8D20-CDDBE702814B}" type="datetimeFigureOut">
               <a:rPr lang="en-AU" smtClean="0"/>
-              <a:t>4/05/2020</a:t>
+              <a:t>1/03/2024</a:t>
             </a:fld>
             <a:endParaRPr lang="en-AU"/>
           </a:p>
@@ -3212,7 +3217,7 @@
           <a:p>
             <a:fld id="{A9AE9773-D439-439A-8D20-CDDBE702814B}" type="datetimeFigureOut">
               <a:rPr lang="en-AU" smtClean="0"/>
-              <a:t>4/05/2020</a:t>
+              <a:t>1/03/2024</a:t>
             </a:fld>
             <a:endParaRPr lang="en-AU"/>
           </a:p>
@@ -3435,7 +3440,7 @@
           <a:p>
             <a:fld id="{A9AE9773-D439-439A-8D20-CDDBE702814B}" type="datetimeFigureOut">
               <a:rPr lang="en-AU" smtClean="0"/>
-              <a:t>4/05/2020</a:t>
+              <a:t>1/03/2024</a:t>
             </a:fld>
             <a:endParaRPr lang="en-AU"/>
           </a:p>
@@ -3615,7 +3620,7 @@
           <a:p>
             <a:fld id="{A9AE9773-D439-439A-8D20-CDDBE702814B}" type="datetimeFigureOut">
               <a:rPr lang="en-AU" smtClean="0"/>
-              <a:t>4/05/2020</a:t>
+              <a:t>1/03/2024</a:t>
             </a:fld>
             <a:endParaRPr lang="en-AU"/>
           </a:p>
@@ -3904,7 +3909,7 @@
           <a:p>
             <a:fld id="{A9AE9773-D439-439A-8D20-CDDBE702814B}" type="datetimeFigureOut">
               <a:rPr lang="en-AU" smtClean="0"/>
-              <a:t>4/05/2020</a:t>
+              <a:t>1/03/2024</a:t>
             </a:fld>
             <a:endParaRPr lang="en-AU"/>
           </a:p>
@@ -4146,7 +4151,7 @@
           <a:p>
             <a:fld id="{A9AE9773-D439-439A-8D20-CDDBE702814B}" type="datetimeFigureOut">
               <a:rPr lang="en-AU" smtClean="0"/>
-              <a:t>4/05/2020</a:t>
+              <a:t>1/03/2024</a:t>
             </a:fld>
             <a:endParaRPr lang="en-AU"/>
           </a:p>
@@ -4525,7 +4530,7 @@
           <a:p>
             <a:fld id="{A9AE9773-D439-439A-8D20-CDDBE702814B}" type="datetimeFigureOut">
               <a:rPr lang="en-AU" smtClean="0"/>
-              <a:t>4/05/2020</a:t>
+              <a:t>1/03/2024</a:t>
             </a:fld>
             <a:endParaRPr lang="en-AU"/>
           </a:p>
@@ -4643,7 +4648,7 @@
           <a:p>
             <a:fld id="{A9AE9773-D439-439A-8D20-CDDBE702814B}" type="datetimeFigureOut">
               <a:rPr lang="en-AU" smtClean="0"/>
-              <a:t>4/05/2020</a:t>
+              <a:t>1/03/2024</a:t>
             </a:fld>
             <a:endParaRPr lang="en-AU"/>
           </a:p>
@@ -4738,7 +4743,7 @@
           <a:p>
             <a:fld id="{A9AE9773-D439-439A-8D20-CDDBE702814B}" type="datetimeFigureOut">
               <a:rPr lang="en-AU" smtClean="0"/>
-              <a:t>4/05/2020</a:t>
+              <a:t>1/03/2024</a:t>
             </a:fld>
             <a:endParaRPr lang="en-AU"/>
           </a:p>
@@ -4987,7 +4992,7 @@
           <a:p>
             <a:fld id="{A9AE9773-D439-439A-8D20-CDDBE702814B}" type="datetimeFigureOut">
               <a:rPr lang="en-AU" smtClean="0"/>
-              <a:t>4/05/2020</a:t>
+              <a:t>1/03/2024</a:t>
             </a:fld>
             <a:endParaRPr lang="en-AU"/>
           </a:p>
@@ -5244,7 +5249,7 @@
           <a:p>
             <a:fld id="{A9AE9773-D439-439A-8D20-CDDBE702814B}" type="datetimeFigureOut">
               <a:rPr lang="en-AU" smtClean="0"/>
-              <a:t>4/05/2020</a:t>
+              <a:t>1/03/2024</a:t>
             </a:fld>
             <a:endParaRPr lang="en-AU"/>
           </a:p>
@@ -5487,7 +5492,7 @@
           <a:p>
             <a:fld id="{A9AE9773-D439-439A-8D20-CDDBE702814B}" type="datetimeFigureOut">
               <a:rPr lang="en-AU" smtClean="0"/>
-              <a:t>4/05/2020</a:t>
+              <a:t>1/03/2024</a:t>
             </a:fld>
             <a:endParaRPr lang="en-AU"/>
           </a:p>
@@ -5961,7 +5966,15 @@
           <a:p>
             <a:r>
               <a:rPr lang="en-AU" dirty="0"/>
-              <a:t>By: Dr. Amin Beheshti</a:t>
+              <a:t>By</a:t>
+            </a:r>
+            <a:r>
+              <a:rPr lang="en-AU"/>
+              <a:t>: Prof. </a:t>
+            </a:r>
+            <a:r>
+              <a:rPr lang="en-AU" dirty="0"/>
+              <a:t>Amin Beheshti</a:t>
             </a:r>
           </a:p>
           <a:p>
@@ -6207,7 +6220,7 @@
                 <a:latin typeface="Times New Roman" panose="02020603050405020304" pitchFamily="18" charset="0"/>
                 <a:cs typeface="Times New Roman" panose="02020603050405020304" pitchFamily="18" charset="0"/>
               </a:rPr>
-              <a:t>DataAnalyticsResearchLab</a:t>
+              <a:t>DataScienceResearchLab</a:t>
             </a:r>
             <a:r>
               <a:rPr lang="en-GB" dirty="0">
@@ -6461,7 +6474,7 @@
                 <a:latin typeface="Times New Roman" panose="02020603050405020304" pitchFamily="18" charset="0"/>
                 <a:cs typeface="Times New Roman" panose="02020603050405020304" pitchFamily="18" charset="0"/>
               </a:rPr>
-              <a:t>DataAnalyticsResearchLab</a:t>
+              <a:t>DataScienceResearchLab</a:t>
             </a:r>
             <a:r>
               <a:rPr lang="en-GB" dirty="0">
@@ -6719,7 +6732,7 @@
                 <a:latin typeface="Times New Roman" panose="02020603050405020304" pitchFamily="18" charset="0"/>
                 <a:cs typeface="Times New Roman" panose="02020603050405020304" pitchFamily="18" charset="0"/>
               </a:rPr>
-              <a:t>DataAnalyticsResearchLab</a:t>
+              <a:t>DataScienceResearchLab</a:t>
             </a:r>
             <a:r>
               <a:rPr lang="en-GB" dirty="0">
@@ -6970,7 +6983,7 @@
                 <a:latin typeface="Times New Roman" panose="02020603050405020304" pitchFamily="18" charset="0"/>
                 <a:cs typeface="Times New Roman" panose="02020603050405020304" pitchFamily="18" charset="0"/>
               </a:rPr>
-              <a:t>DataAnalyticsResearchLab</a:t>
+              <a:t>DataScienceResearchLab</a:t>
             </a:r>
             <a:r>
               <a:rPr lang="en-GB" dirty="0">
@@ -7255,7 +7268,7 @@
                 <a:latin typeface="Times New Roman" panose="02020603050405020304" pitchFamily="18" charset="0"/>
                 <a:cs typeface="Times New Roman" panose="02020603050405020304" pitchFamily="18" charset="0"/>
               </a:rPr>
-              <a:t>DataAnalyticsResearchLab</a:t>
+              <a:t>DataScienceResearchLab</a:t>
             </a:r>
             <a:r>
               <a:rPr lang="en-GB" dirty="0">
@@ -7533,7 +7546,7 @@
                 <a:latin typeface="Times New Roman" panose="02020603050405020304" pitchFamily="18" charset="0"/>
                 <a:cs typeface="Times New Roman" panose="02020603050405020304" pitchFamily="18" charset="0"/>
               </a:rPr>
-              <a:t>DataAnalyticsResearchLab</a:t>
+              <a:t>DataScienceResearchLab</a:t>
             </a:r>
             <a:r>
               <a:rPr lang="en-GB" dirty="0">
@@ -7785,7 +7798,7 @@
                 <a:latin typeface="Times New Roman" panose="02020603050405020304" pitchFamily="18" charset="0"/>
                 <a:cs typeface="Times New Roman" panose="02020603050405020304" pitchFamily="18" charset="0"/>
               </a:rPr>
-              <a:t>DataAnalyticsResearchLab</a:t>
+              <a:t>DataScienceResearchLab</a:t>
             </a:r>
             <a:r>
               <a:rPr lang="en-GB" dirty="0">
@@ -8118,6 +8131,21 @@
 </file>
 
 <file path=customXml/item1.xml><?xml version="1.0" encoding="utf-8"?>
+<?mso-contentType ?>
+<FormTemplates xmlns="http://schemas.microsoft.com/sharepoint/v3/contenttype/forms">
+  <Display>DocumentLibraryForm</Display>
+  <Edit>DocumentLibraryForm</Edit>
+  <New>DocumentLibraryForm</New>
+</FormTemplates>
+</file>
+
+<file path=customXml/item2.xml><?xml version="1.0" encoding="utf-8"?>
+<p:properties xmlns:p="http://schemas.microsoft.com/office/2006/metadata/properties" xmlns:xsi="http://www.w3.org/2001/XMLSchema-instance" xmlns:pc="http://schemas.microsoft.com/office/infopath/2007/PartnerControls">
+  <documentManagement/>
+</p:properties>
+</file>
+
+<file path=customXml/item3.xml><?xml version="1.0" encoding="utf-8"?>
 <ct:contentTypeSchema xmlns:ct="http://schemas.microsoft.com/office/2006/metadata/contentType" xmlns:ma="http://schemas.microsoft.com/office/2006/metadata/properties/metaAttributes" ct:_="" ma:_="" ma:contentTypeName="Document" ma:contentTypeID="0x01010072FA02E9E530D0498268F3FBC829B0AB" ma:contentTypeVersion="13" ma:contentTypeDescription="Create a new document." ma:contentTypeScope="" ma:versionID="5f32e8838e54022805de473bdd9711d8">
   <xsd:schema xmlns:xsd="http://www.w3.org/2001/XMLSchema" xmlns:xs="http://www.w3.org/2001/XMLSchema" xmlns:p="http://schemas.microsoft.com/office/2006/metadata/properties" xmlns:ns3="8631334f-00fa-4e42-8904-6ec6ca307bcf" xmlns:ns4="13c108e9-6d65-4d0d-a494-c05f4901c73e" targetNamespace="http://schemas.microsoft.com/office/2006/metadata/properties" ma:root="true" ma:fieldsID="86bc0c159f3d3fbe40f476f28f6f86d0" ns3:_="" ns4:_="">
     <xsd:import namespace="8631334f-00fa-4e42-8904-6ec6ca307bcf"/>
@@ -8340,22 +8368,24 @@
 </ct:contentTypeSchema>
 </file>
 
-<file path=customXml/item2.xml><?xml version="1.0" encoding="utf-8"?>
-<?mso-contentType ?>
-<FormTemplates xmlns="http://schemas.microsoft.com/sharepoint/v3/contenttype/forms">
-  <Display>DocumentLibraryForm</Display>
-  <Edit>DocumentLibraryForm</Edit>
-  <New>DocumentLibraryForm</New>
-</FormTemplates>
+<file path=customXml/itemProps1.xml><?xml version="1.0" encoding="utf-8"?>
+<ds:datastoreItem xmlns:ds="http://schemas.openxmlformats.org/officeDocument/2006/customXml" ds:itemID="{B137BFDA-253A-4376-8153-5B345D4D2A5A}">
+  <ds:schemaRefs>
+    <ds:schemaRef ds:uri="http://schemas.microsoft.com/sharepoint/v3/contenttype/forms"/>
+  </ds:schemaRefs>
+</ds:datastoreItem>
 </file>
 
-<file path=customXml/item3.xml><?xml version="1.0" encoding="utf-8"?>
-<p:properties xmlns:p="http://schemas.microsoft.com/office/2006/metadata/properties" xmlns:xsi="http://www.w3.org/2001/XMLSchema-instance" xmlns:pc="http://schemas.microsoft.com/office/infopath/2007/PartnerControls">
-  <documentManagement/>
-</p:properties>
+<file path=customXml/itemProps2.xml><?xml version="1.0" encoding="utf-8"?>
+<ds:datastoreItem xmlns:ds="http://schemas.openxmlformats.org/officeDocument/2006/customXml" ds:itemID="{A57493BD-C8F4-4EA1-8ECC-4499D698BF4F}">
+  <ds:schemaRefs>
+    <ds:schemaRef ds:uri="http://schemas.microsoft.com/office/2006/metadata/properties"/>
+    <ds:schemaRef ds:uri="http://schemas.microsoft.com/office/infopath/2007/PartnerControls"/>
+  </ds:schemaRefs>
+</ds:datastoreItem>
 </file>
 
-<file path=customXml/itemProps1.xml><?xml version="1.0" encoding="utf-8"?>
+<file path=customXml/itemProps3.xml><?xml version="1.0" encoding="utf-8"?>
 <ds:datastoreItem xmlns:ds="http://schemas.openxmlformats.org/officeDocument/2006/customXml" ds:itemID="{F5DA4991-9025-4A8A-9EAF-72D9FCD87289}">
   <ds:schemaRefs>
     <ds:schemaRef ds:uri="http://schemas.microsoft.com/office/2006/metadata/contentType"/>
@@ -8372,21 +8402,4 @@
     <ds:schemaRef ds:uri="http://schemas.microsoft.com/internal/obd"/>
   </ds:schemaRefs>
 </ds:datastoreItem>
-</file>
-
-<file path=customXml/itemProps2.xml><?xml version="1.0" encoding="utf-8"?>
-<ds:datastoreItem xmlns:ds="http://schemas.openxmlformats.org/officeDocument/2006/customXml" ds:itemID="{B137BFDA-253A-4376-8153-5B345D4D2A5A}">
-  <ds:schemaRefs>
-    <ds:schemaRef ds:uri="http://schemas.microsoft.com/sharepoint/v3/contenttype/forms"/>
-  </ds:schemaRefs>
-</ds:datastoreItem>
-</file>
-
-<file path=customXml/itemProps3.xml><?xml version="1.0" encoding="utf-8"?>
-<ds:datastoreItem xmlns:ds="http://schemas.openxmlformats.org/officeDocument/2006/customXml" ds:itemID="{A57493BD-C8F4-4EA1-8ECC-4499D698BF4F}">
-  <ds:schemaRefs>
-    <ds:schemaRef ds:uri="http://schemas.microsoft.com/office/2006/metadata/properties"/>
-    <ds:schemaRef ds:uri="http://schemas.microsoft.com/office/infopath/2007/PartnerControls"/>
-  </ds:schemaRefs>
-</ds:datastoreItem>
 </file>